--- a/PPT/앉아써 팀 오라클(편의점).pptx
+++ b/PPT/앉아써 팀 오라클(편의점).pptx
@@ -243,7 +243,7 @@
               <a:pPr lvl="0">
                 <a:defRPr/>
               </a:pPr>
-              <a:t>2023-10-24</a:t>
+              <a:t>2024-02-22</a:t>
             </a:fld>
             <a:endParaRPr lang="ko-KR" altLang="en-US"/>
           </a:p>
@@ -675,7 +675,7 @@
           <a:p>
             <a:fld id="{8697CD8D-5FF8-45F7-B5D9-86A8A4C3B6A4}" type="datetimeFigureOut">
               <a:rPr lang="ko-KR" altLang="en-US" smtClean="0"/>
-              <a:t>2023-10-24</a:t>
+              <a:t>2024-02-22</a:t>
             </a:fld>
             <a:endParaRPr lang="ko-KR" altLang="en-US"/>
           </a:p>
@@ -971,7 +971,7 @@
           <a:p>
             <a:fld id="{8697CD8D-5FF8-45F7-B5D9-86A8A4C3B6A4}" type="datetimeFigureOut">
               <a:rPr lang="ko-KR" altLang="en-US" smtClean="0"/>
-              <a:t>2023-10-24</a:t>
+              <a:t>2024-02-22</a:t>
             </a:fld>
             <a:endParaRPr lang="ko-KR" altLang="en-US"/>
           </a:p>
@@ -1177,7 +1177,7 @@
           <a:p>
             <a:fld id="{8697CD8D-5FF8-45F7-B5D9-86A8A4C3B6A4}" type="datetimeFigureOut">
               <a:rPr lang="ko-KR" altLang="en-US" smtClean="0"/>
-              <a:t>2023-10-24</a:t>
+              <a:t>2024-02-22</a:t>
             </a:fld>
             <a:endParaRPr lang="ko-KR" altLang="en-US"/>
           </a:p>
@@ -1393,7 +1393,7 @@
           <a:p>
             <a:fld id="{8697CD8D-5FF8-45F7-B5D9-86A8A4C3B6A4}" type="datetimeFigureOut">
               <a:rPr lang="ko-KR" altLang="en-US" smtClean="0"/>
-              <a:t>2023-10-24</a:t>
+              <a:t>2024-02-22</a:t>
             </a:fld>
             <a:endParaRPr lang="ko-KR" altLang="en-US"/>
           </a:p>
@@ -1599,7 +1599,7 @@
           <a:p>
             <a:fld id="{8697CD8D-5FF8-45F7-B5D9-86A8A4C3B6A4}" type="datetimeFigureOut">
               <a:rPr lang="ko-KR" altLang="en-US" smtClean="0"/>
-              <a:t>2023-10-24</a:t>
+              <a:t>2024-02-22</a:t>
             </a:fld>
             <a:endParaRPr lang="ko-KR" altLang="en-US"/>
           </a:p>
@@ -1882,7 +1882,7 @@
           <a:p>
             <a:fld id="{8697CD8D-5FF8-45F7-B5D9-86A8A4C3B6A4}" type="datetimeFigureOut">
               <a:rPr lang="ko-KR" altLang="en-US" smtClean="0"/>
-              <a:t>2023-10-24</a:t>
+              <a:t>2024-02-22</a:t>
             </a:fld>
             <a:endParaRPr lang="ko-KR" altLang="en-US"/>
           </a:p>
@@ -2155,7 +2155,7 @@
           <a:p>
             <a:fld id="{8697CD8D-5FF8-45F7-B5D9-86A8A4C3B6A4}" type="datetimeFigureOut">
               <a:rPr lang="ko-KR" altLang="en-US" smtClean="0"/>
-              <a:t>2023-10-24</a:t>
+              <a:t>2024-02-22</a:t>
             </a:fld>
             <a:endParaRPr lang="ko-KR" altLang="en-US"/>
           </a:p>
@@ -2575,7 +2575,7 @@
           <a:p>
             <a:fld id="{8697CD8D-5FF8-45F7-B5D9-86A8A4C3B6A4}" type="datetimeFigureOut">
               <a:rPr lang="ko-KR" altLang="en-US" smtClean="0"/>
-              <a:t>2023-10-24</a:t>
+              <a:t>2024-02-22</a:t>
             </a:fld>
             <a:endParaRPr lang="ko-KR" altLang="en-US"/>
           </a:p>
@@ -2724,7 +2724,7 @@
           <a:p>
             <a:fld id="{8697CD8D-5FF8-45F7-B5D9-86A8A4C3B6A4}" type="datetimeFigureOut">
               <a:rPr lang="ko-KR" altLang="en-US" smtClean="0"/>
-              <a:t>2023-10-24</a:t>
+              <a:t>2024-02-22</a:t>
             </a:fld>
             <a:endParaRPr lang="ko-KR" altLang="en-US"/>
           </a:p>
@@ -2845,7 +2845,7 @@
           <a:p>
             <a:fld id="{8697CD8D-5FF8-45F7-B5D9-86A8A4C3B6A4}" type="datetimeFigureOut">
               <a:rPr lang="ko-KR" altLang="en-US" smtClean="0"/>
-              <a:t>2023-10-24</a:t>
+              <a:t>2024-02-22</a:t>
             </a:fld>
             <a:endParaRPr lang="ko-KR" altLang="en-US"/>
           </a:p>
@@ -3071,7 +3071,7 @@
           <a:p>
             <a:fld id="{8697CD8D-5FF8-45F7-B5D9-86A8A4C3B6A4}" type="datetimeFigureOut">
               <a:rPr lang="ko-KR" altLang="en-US" smtClean="0"/>
-              <a:t>2023-10-24</a:t>
+              <a:t>2024-02-22</a:t>
             </a:fld>
             <a:endParaRPr lang="ko-KR" altLang="en-US"/>
           </a:p>
@@ -3406,7 +3406,7 @@
           <a:p>
             <a:fld id="{8697CD8D-5FF8-45F7-B5D9-86A8A4C3B6A4}" type="datetimeFigureOut">
               <a:rPr lang="ko-KR" altLang="en-US" smtClean="0"/>
-              <a:t>2023-10-24</a:t>
+              <a:t>2024-02-22</a:t>
             </a:fld>
             <a:endParaRPr lang="ko-KR" altLang="en-US"/>
           </a:p>
@@ -3655,7 +3655,7 @@
           <a:p>
             <a:fld id="{8697CD8D-5FF8-45F7-B5D9-86A8A4C3B6A4}" type="datetimeFigureOut">
               <a:rPr lang="ko-KR" altLang="en-US" smtClean="0"/>
-              <a:t>2023-10-24</a:t>
+              <a:t>2024-02-22</a:t>
             </a:fld>
             <a:endParaRPr lang="ko-KR" altLang="en-US"/>
           </a:p>
@@ -5262,7 +5262,7 @@
         </p:nvSpPr>
         <p:spPr>
           <a:xfrm>
-            <a:off x="0" y="2595441"/>
+            <a:off x="13482" y="2892101"/>
             <a:ext cx="4769832" cy="593321"/>
           </a:xfrm>
           <a:prstGeom prst="rect">
@@ -5332,7 +5332,7 @@
         </p:nvSpPr>
         <p:spPr>
           <a:xfrm>
-            <a:off x="1930400" y="3511639"/>
+            <a:off x="1930400" y="3695594"/>
             <a:ext cx="5943600" cy="593321"/>
           </a:xfrm>
           <a:prstGeom prst="rect">
@@ -12446,7 +12446,7 @@
     <mc:Choice Requires="p14">
       <p:transition p14:dur="0"/>
     </mc:Choice>
-    <mc:Fallback xmlns:dsp="http://schemas.microsoft.com/office/drawing/2008/diagram" xmlns:dgm="http://schemas.openxmlformats.org/drawingml/2006/diagram" xmlns:c="http://schemas.openxmlformats.org/drawingml/2006/chart" xmlns="">
+    <mc:Fallback xmlns="" xmlns:c="http://schemas.openxmlformats.org/drawingml/2006/chart" xmlns:dgm="http://schemas.openxmlformats.org/drawingml/2006/diagram" xmlns:dsp="http://schemas.microsoft.com/office/drawing/2008/diagram">
       <p:transition/>
     </mc:Fallback>
   </mc:AlternateContent>
